--- a/documents/Matt Presentation.pptx
+++ b/documents/Matt Presentation.pptx
@@ -15,7 +15,19 @@
     <p:sldId id="261" r:id="rId9"/>
     <p:sldId id="264" r:id="rId10"/>
     <p:sldId id="265" r:id="rId11"/>
-    <p:sldId id="266" r:id="rId12"/>
+    <p:sldId id="267" r:id="rId12"/>
+    <p:sldId id="266" r:id="rId13"/>
+    <p:sldId id="268" r:id="rId14"/>
+    <p:sldId id="269" r:id="rId15"/>
+    <p:sldId id="276" r:id="rId16"/>
+    <p:sldId id="270" r:id="rId17"/>
+    <p:sldId id="277" r:id="rId18"/>
+    <p:sldId id="271" r:id="rId19"/>
+    <p:sldId id="272" r:id="rId20"/>
+    <p:sldId id="278" r:id="rId21"/>
+    <p:sldId id="273" r:id="rId22"/>
+    <p:sldId id="274" r:id="rId23"/>
+    <p:sldId id="275" r:id="rId24"/>
   </p:sldIdLst>
   <p:sldSz cx="9144000" cy="6858000" type="screen4x3"/>
   <p:notesSz cx="6858000" cy="9144000"/>
@@ -4171,14 +4183,118 @@
         </p:nvSpPr>
         <p:spPr/>
         <p:txBody>
+          <a:bodyPr>
+            <a:normAutofit fontScale="90000"/>
+          </a:bodyPr>
+          <a:lstStyle/>
+          <a:p>
+            <a:r>
+              <a:rPr lang="en-US" dirty="0"/>
+              <a:t>Random Graph Generating Algorithm</a:t>
+            </a:r>
+            <a:br>
+              <a:rPr lang="en-US" dirty="0"/>
+            </a:br>
+            <a:r>
+              <a:rPr lang="en-US" dirty="0"/>
+              <a:t>Evaluation</a:t>
+            </a:r>
+          </a:p>
+        </p:txBody>
+      </p:sp>
+      <p:pic>
+        <p:nvPicPr>
+          <p:cNvPr id="4" name="Picture 2" descr="C:\Users\mmart24\Documents\GitHub\GraphEvo\documents\RandomGraphExample2.png"/>
+          <p:cNvPicPr>
+            <a:picLocks noGrp="1" noChangeAspect="1" noChangeArrowheads="1"/>
+          </p:cNvPicPr>
+          <p:nvPr>
+            <p:ph idx="1"/>
+          </p:nvPr>
+        </p:nvPicPr>
+        <p:blipFill>
+          <a:blip r:embed="rId2" cstate="print">
+            <a:extLst>
+              <a:ext uri="{28A0092B-C50C-407E-A947-70E740481C1C}">
+                <a14:useLocalDpi xmlns:a14="http://schemas.microsoft.com/office/drawing/2010/main" val="0"/>
+              </a:ext>
+            </a:extLst>
+          </a:blip>
+          <a:srcRect/>
+          <a:stretch>
+            <a:fillRect/>
+          </a:stretch>
+        </p:blipFill>
+        <p:spPr bwMode="auto">
+          <a:xfrm>
+            <a:off x="2438400" y="1612510"/>
+            <a:ext cx="4419600" cy="5216915"/>
+          </a:xfrm>
+          <a:prstGeom prst="rect">
+            <a:avLst/>
+          </a:prstGeom>
+          <a:noFill/>
+          <a:extLst>
+            <a:ext uri="{909E8E84-426E-40DD-AFC4-6F175D3DCCD1}">
+              <a14:hiddenFill xmlns:a14="http://schemas.microsoft.com/office/drawing/2010/main">
+                <a:solidFill>
+                  <a:srgbClr val="FFFFFF"/>
+                </a:solidFill>
+              </a14:hiddenFill>
+            </a:ext>
+          </a:extLst>
+        </p:spPr>
+      </p:pic>
+    </p:spTree>
+    <p:extLst>
+      <p:ext uri="{BB962C8B-B14F-4D97-AF65-F5344CB8AC3E}">
+        <p14:creationId xmlns:p14="http://schemas.microsoft.com/office/powerpoint/2010/main" val="2175789859"/>
+      </p:ext>
+    </p:extLst>
+  </p:cSld>
+  <p:clrMapOvr>
+    <a:masterClrMapping/>
+  </p:clrMapOvr>
+</p:sld>
+</file>
+
+<file path=ppt/slides/slide12.xml><?xml version="1.0" encoding="utf-8"?>
+<p:sld xmlns:a="http://schemas.openxmlformats.org/drawingml/2006/main" xmlns:r="http://schemas.openxmlformats.org/officeDocument/2006/relationships" xmlns:p="http://schemas.openxmlformats.org/presentationml/2006/main">
+  <p:cSld>
+    <p:spTree>
+      <p:nvGrpSpPr>
+        <p:cNvPr id="1" name=""/>
+        <p:cNvGrpSpPr/>
+        <p:nvPr/>
+      </p:nvGrpSpPr>
+      <p:grpSpPr>
+        <a:xfrm>
+          <a:off x="0" y="0"/>
+          <a:ext cx="0" cy="0"/>
+          <a:chOff x="0" y="0"/>
+          <a:chExt cx="0" cy="0"/>
+        </a:xfrm>
+      </p:grpSpPr>
+      <p:sp>
+        <p:nvSpPr>
+          <p:cNvPr id="2" name="Title 1"/>
+          <p:cNvSpPr>
+            <a:spLocks noGrp="1"/>
+          </p:cNvSpPr>
+          <p:nvPr>
+            <p:ph type="title"/>
+          </p:nvPr>
+        </p:nvSpPr>
+        <p:spPr/>
+        <p:txBody>
           <a:bodyPr/>
           <a:lstStyle/>
           <a:p>
             <a:r>
-              <a:rPr lang="en-US" smtClean="0"/>
+              <a:rPr lang="en-US" dirty="0" smtClean="0"/>
               <a:t>Testing</a:t>
             </a:r>
-            <a:endParaRPr lang="en-US"/>
+            <a:endParaRPr lang="en-US" dirty="0"/>
           </a:p>
         </p:txBody>
       </p:sp>
@@ -4283,6 +4399,974 @@
     <p:extLst>
       <p:ext uri="{BB962C8B-B14F-4D97-AF65-F5344CB8AC3E}">
         <p14:creationId xmlns:p14="http://schemas.microsoft.com/office/powerpoint/2010/main" val="1917724492"/>
+      </p:ext>
+    </p:extLst>
+  </p:cSld>
+  <p:clrMapOvr>
+    <a:masterClrMapping/>
+  </p:clrMapOvr>
+</p:sld>
+</file>
+
+<file path=ppt/slides/slide13.xml><?xml version="1.0" encoding="utf-8"?>
+<p:sld xmlns:a="http://schemas.openxmlformats.org/drawingml/2006/main" xmlns:r="http://schemas.openxmlformats.org/officeDocument/2006/relationships" xmlns:p="http://schemas.openxmlformats.org/presentationml/2006/main">
+  <p:cSld>
+    <p:spTree>
+      <p:nvGrpSpPr>
+        <p:cNvPr id="1" name=""/>
+        <p:cNvGrpSpPr/>
+        <p:nvPr/>
+      </p:nvGrpSpPr>
+      <p:grpSpPr>
+        <a:xfrm>
+          <a:off x="0" y="0"/>
+          <a:ext cx="0" cy="0"/>
+          <a:chOff x="0" y="0"/>
+          <a:chExt cx="0" cy="0"/>
+        </a:xfrm>
+      </p:grpSpPr>
+      <p:sp>
+        <p:nvSpPr>
+          <p:cNvPr id="2" name="Title 1"/>
+          <p:cNvSpPr>
+            <a:spLocks noGrp="1"/>
+          </p:cNvSpPr>
+          <p:nvPr>
+            <p:ph type="title"/>
+          </p:nvPr>
+        </p:nvSpPr>
+        <p:spPr/>
+        <p:txBody>
+          <a:bodyPr/>
+          <a:lstStyle/>
+          <a:p>
+            <a:r>
+              <a:rPr lang="en-US" dirty="0"/>
+              <a:t>Testing</a:t>
+            </a:r>
+          </a:p>
+        </p:txBody>
+      </p:sp>
+      <p:sp>
+        <p:nvSpPr>
+          <p:cNvPr id="3" name="Content Placeholder 2"/>
+          <p:cNvSpPr>
+            <a:spLocks noGrp="1"/>
+          </p:cNvSpPr>
+          <p:nvPr>
+            <p:ph idx="1"/>
+          </p:nvPr>
+        </p:nvSpPr>
+        <p:spPr/>
+        <p:txBody>
+          <a:bodyPr/>
+          <a:lstStyle/>
+          <a:p>
+            <a:r>
+              <a:rPr lang="en-US" dirty="0" smtClean="0"/>
+              <a:t>Trained Graph Size = 300</a:t>
+            </a:r>
+          </a:p>
+          <a:p>
+            <a:endParaRPr lang="en-US" dirty="0" smtClean="0"/>
+          </a:p>
+          <a:p>
+            <a:r>
+              <a:rPr lang="en-US" dirty="0" smtClean="0"/>
+              <a:t>20 runs during evaluation</a:t>
+            </a:r>
+          </a:p>
+          <a:p>
+            <a:endParaRPr lang="en-US" dirty="0"/>
+          </a:p>
+          <a:p>
+            <a:r>
+              <a:rPr lang="en-US" dirty="0" smtClean="0"/>
+              <a:t>5 runs of GP on each problem</a:t>
+            </a:r>
+            <a:endParaRPr lang="en-US" dirty="0"/>
+          </a:p>
+          <a:p>
+            <a:endParaRPr lang="en-US" dirty="0"/>
+          </a:p>
+        </p:txBody>
+      </p:sp>
+    </p:spTree>
+    <p:extLst>
+      <p:ext uri="{BB962C8B-B14F-4D97-AF65-F5344CB8AC3E}">
+        <p14:creationId xmlns:p14="http://schemas.microsoft.com/office/powerpoint/2010/main" val="3973222907"/>
+      </p:ext>
+    </p:extLst>
+  </p:cSld>
+  <p:clrMapOvr>
+    <a:masterClrMapping/>
+  </p:clrMapOvr>
+</p:sld>
+</file>
+
+<file path=ppt/slides/slide14.xml><?xml version="1.0" encoding="utf-8"?>
+<p:sld xmlns:a="http://schemas.openxmlformats.org/drawingml/2006/main" xmlns:r="http://schemas.openxmlformats.org/officeDocument/2006/relationships" xmlns:p="http://schemas.openxmlformats.org/presentationml/2006/main">
+  <p:cSld>
+    <p:spTree>
+      <p:nvGrpSpPr>
+        <p:cNvPr id="1" name=""/>
+        <p:cNvGrpSpPr/>
+        <p:nvPr/>
+      </p:nvGrpSpPr>
+      <p:grpSpPr>
+        <a:xfrm>
+          <a:off x="0" y="0"/>
+          <a:ext cx="0" cy="0"/>
+          <a:chOff x="0" y="0"/>
+          <a:chExt cx="0" cy="0"/>
+        </a:xfrm>
+      </p:grpSpPr>
+      <p:sp>
+        <p:nvSpPr>
+          <p:cNvPr id="2" name="Title 1"/>
+          <p:cNvSpPr>
+            <a:spLocks noGrp="1"/>
+          </p:cNvSpPr>
+          <p:nvPr>
+            <p:ph type="title"/>
+          </p:nvPr>
+        </p:nvSpPr>
+        <p:spPr>
+          <a:xfrm>
+            <a:off x="457200" y="304800"/>
+            <a:ext cx="8229600" cy="1143000"/>
+          </a:xfrm>
+        </p:spPr>
+        <p:txBody>
+          <a:bodyPr/>
+          <a:lstStyle/>
+          <a:p>
+            <a:r>
+              <a:rPr lang="en-US" dirty="0" smtClean="0"/>
+              <a:t>Results: Max Partition</a:t>
+            </a:r>
+            <a:endParaRPr lang="en-US" dirty="0"/>
+          </a:p>
+        </p:txBody>
+      </p:sp>
+      <p:pic>
+        <p:nvPicPr>
+          <p:cNvPr id="1026" name="Picture 2" descr="C:\Users\mmart24\Documents\GitHub\GraphEvo\documents\maxM.png"/>
+          <p:cNvPicPr>
+            <a:picLocks noChangeAspect="1" noChangeArrowheads="1"/>
+          </p:cNvPicPr>
+          <p:nvPr/>
+        </p:nvPicPr>
+        <p:blipFill>
+          <a:blip r:embed="rId2">
+            <a:extLst>
+              <a:ext uri="{28A0092B-C50C-407E-A947-70E740481C1C}">
+                <a14:useLocalDpi xmlns:a14="http://schemas.microsoft.com/office/drawing/2010/main" val="0"/>
+              </a:ext>
+            </a:extLst>
+          </a:blip>
+          <a:srcRect/>
+          <a:stretch>
+            <a:fillRect/>
+          </a:stretch>
+        </p:blipFill>
+        <p:spPr bwMode="auto">
+          <a:xfrm>
+            <a:off x="762000" y="2286000"/>
+            <a:ext cx="1781175" cy="2486025"/>
+          </a:xfrm>
+          <a:prstGeom prst="rect">
+            <a:avLst/>
+          </a:prstGeom>
+          <a:noFill/>
+          <a:extLst>
+            <a:ext uri="{909E8E84-426E-40DD-AFC4-6F175D3DCCD1}">
+              <a14:hiddenFill xmlns:a14="http://schemas.microsoft.com/office/drawing/2010/main">
+                <a:solidFill>
+                  <a:srgbClr val="FFFFFF"/>
+                </a:solidFill>
+              </a14:hiddenFill>
+            </a:ext>
+          </a:extLst>
+        </p:spPr>
+      </p:pic>
+      <p:pic>
+        <p:nvPicPr>
+          <p:cNvPr id="1027" name="Picture 3" descr="C:\Users\mmart24\Documents\GitHub\GraphEvo\documents\starGraph.png"/>
+          <p:cNvPicPr>
+            <a:picLocks noChangeAspect="1" noChangeArrowheads="1"/>
+          </p:cNvPicPr>
+          <p:nvPr/>
+        </p:nvPicPr>
+        <p:blipFill>
+          <a:blip r:embed="rId3" cstate="print">
+            <a:extLst>
+              <a:ext uri="{28A0092B-C50C-407E-A947-70E740481C1C}">
+                <a14:useLocalDpi xmlns:a14="http://schemas.microsoft.com/office/drawing/2010/main" val="0"/>
+              </a:ext>
+            </a:extLst>
+          </a:blip>
+          <a:srcRect/>
+          <a:stretch>
+            <a:fillRect/>
+          </a:stretch>
+        </p:blipFill>
+        <p:spPr bwMode="auto">
+          <a:xfrm>
+            <a:off x="-14006513" y="-13335000"/>
+            <a:ext cx="9144000" cy="8250930"/>
+          </a:xfrm>
+          <a:prstGeom prst="rect">
+            <a:avLst/>
+          </a:prstGeom>
+          <a:noFill/>
+          <a:extLst>
+            <a:ext uri="{909E8E84-426E-40DD-AFC4-6F175D3DCCD1}">
+              <a14:hiddenFill xmlns:a14="http://schemas.microsoft.com/office/drawing/2010/main">
+                <a:solidFill>
+                  <a:srgbClr val="FFFFFF"/>
+                </a:solidFill>
+              </a14:hiddenFill>
+            </a:ext>
+          </a:extLst>
+        </p:spPr>
+      </p:pic>
+      <p:pic>
+        <p:nvPicPr>
+          <p:cNvPr id="1028" name="Picture 4" descr="C:\Users\mmart24\Documents\GitHub\GraphEvo\documents\starGraph.png"/>
+          <p:cNvPicPr>
+            <a:picLocks noChangeAspect="1" noChangeArrowheads="1"/>
+          </p:cNvPicPr>
+          <p:nvPr/>
+        </p:nvPicPr>
+        <p:blipFill>
+          <a:blip r:embed="rId4" cstate="print">
+            <a:extLst>
+              <a:ext uri="{28A0092B-C50C-407E-A947-70E740481C1C}">
+                <a14:useLocalDpi xmlns:a14="http://schemas.microsoft.com/office/drawing/2010/main" val="0"/>
+              </a:ext>
+            </a:extLst>
+          </a:blip>
+          <a:srcRect/>
+          <a:stretch>
+            <a:fillRect/>
+          </a:stretch>
+        </p:blipFill>
+        <p:spPr bwMode="auto">
+          <a:xfrm>
+            <a:off x="3399263" y="1676400"/>
+            <a:ext cx="5100646" cy="4602480"/>
+          </a:xfrm>
+          <a:prstGeom prst="rect">
+            <a:avLst/>
+          </a:prstGeom>
+          <a:noFill/>
+          <a:extLst>
+            <a:ext uri="{909E8E84-426E-40DD-AFC4-6F175D3DCCD1}">
+              <a14:hiddenFill xmlns:a14="http://schemas.microsoft.com/office/drawing/2010/main">
+                <a:solidFill>
+                  <a:srgbClr val="FFFFFF"/>
+                </a:solidFill>
+              </a14:hiddenFill>
+            </a:ext>
+          </a:extLst>
+        </p:spPr>
+      </p:pic>
+      <p:sp>
+        <p:nvSpPr>
+          <p:cNvPr id="4" name="TextBox 3"/>
+          <p:cNvSpPr txBox="1"/>
+          <p:nvPr/>
+        </p:nvSpPr>
+        <p:spPr>
+          <a:xfrm>
+            <a:off x="762000" y="5334000"/>
+            <a:ext cx="2286000" cy="584775"/>
+          </a:xfrm>
+          <a:prstGeom prst="rect">
+            <a:avLst/>
+          </a:prstGeom>
+          <a:noFill/>
+        </p:spPr>
+        <p:txBody>
+          <a:bodyPr wrap="square" rtlCol="0">
+            <a:spAutoFit/>
+          </a:bodyPr>
+          <a:lstStyle/>
+          <a:p>
+            <a:r>
+              <a:rPr lang="en-US" sz="3200" dirty="0" smtClean="0"/>
+              <a:t>Star Graph</a:t>
+            </a:r>
+            <a:endParaRPr lang="en-US" sz="3200" dirty="0"/>
+          </a:p>
+        </p:txBody>
+      </p:sp>
+    </p:spTree>
+    <p:extLst>
+      <p:ext uri="{BB962C8B-B14F-4D97-AF65-F5344CB8AC3E}">
+        <p14:creationId xmlns:p14="http://schemas.microsoft.com/office/powerpoint/2010/main" val="2177501618"/>
+      </p:ext>
+    </p:extLst>
+  </p:cSld>
+  <p:clrMapOvr>
+    <a:masterClrMapping/>
+  </p:clrMapOvr>
+</p:sld>
+</file>
+
+<file path=ppt/slides/slide15.xml><?xml version="1.0" encoding="utf-8"?>
+<p:sld xmlns:a="http://schemas.openxmlformats.org/drawingml/2006/main" xmlns:r="http://schemas.openxmlformats.org/officeDocument/2006/relationships" xmlns:p="http://schemas.openxmlformats.org/presentationml/2006/main">
+  <p:cSld>
+    <p:spTree>
+      <p:nvGrpSpPr>
+        <p:cNvPr id="1" name=""/>
+        <p:cNvGrpSpPr/>
+        <p:nvPr/>
+      </p:nvGrpSpPr>
+      <p:grpSpPr>
+        <a:xfrm>
+          <a:off x="0" y="0"/>
+          <a:ext cx="0" cy="0"/>
+          <a:chOff x="0" y="0"/>
+          <a:chExt cx="0" cy="0"/>
+        </a:xfrm>
+      </p:grpSpPr>
+      <p:sp>
+        <p:nvSpPr>
+          <p:cNvPr id="2" name="Title 1"/>
+          <p:cNvSpPr>
+            <a:spLocks noGrp="1"/>
+          </p:cNvSpPr>
+          <p:nvPr>
+            <p:ph type="title"/>
+          </p:nvPr>
+        </p:nvSpPr>
+        <p:spPr/>
+        <p:txBody>
+          <a:bodyPr/>
+          <a:lstStyle/>
+          <a:p>
+            <a:r>
+              <a:rPr lang="en-US" dirty="0" smtClean="0"/>
+              <a:t>Results: Max Partition</a:t>
+            </a:r>
+            <a:endParaRPr lang="en-US" dirty="0"/>
+          </a:p>
+        </p:txBody>
+      </p:sp>
+      <p:pic>
+        <p:nvPicPr>
+          <p:cNvPr id="3075" name="Picture 3" descr="C:\Users\mmart24\Documents\GitHub\GraphEvo\maxM5analysis.png"/>
+          <p:cNvPicPr>
+            <a:picLocks noGrp="1" noChangeAspect="1" noChangeArrowheads="1"/>
+          </p:cNvPicPr>
+          <p:nvPr>
+            <p:ph idx="1"/>
+          </p:nvPr>
+        </p:nvPicPr>
+        <p:blipFill>
+          <a:blip r:embed="rId2">
+            <a:extLst>
+              <a:ext uri="{28A0092B-C50C-407E-A947-70E740481C1C}">
+                <a14:useLocalDpi xmlns:a14="http://schemas.microsoft.com/office/drawing/2010/main" val="0"/>
+              </a:ext>
+            </a:extLst>
+          </a:blip>
+          <a:srcRect/>
+          <a:stretch>
+            <a:fillRect/>
+          </a:stretch>
+        </p:blipFill>
+        <p:spPr bwMode="auto">
+          <a:xfrm>
+            <a:off x="914400" y="1219200"/>
+            <a:ext cx="6908800" cy="5181600"/>
+          </a:xfrm>
+          <a:prstGeom prst="rect">
+            <a:avLst/>
+          </a:prstGeom>
+          <a:noFill/>
+          <a:extLst>
+            <a:ext uri="{909E8E84-426E-40DD-AFC4-6F175D3DCCD1}">
+              <a14:hiddenFill xmlns:a14="http://schemas.microsoft.com/office/drawing/2010/main">
+                <a:solidFill>
+                  <a:srgbClr val="FFFFFF"/>
+                </a:solidFill>
+              </a14:hiddenFill>
+            </a:ext>
+          </a:extLst>
+        </p:spPr>
+      </p:pic>
+    </p:spTree>
+    <p:extLst>
+      <p:ext uri="{BB962C8B-B14F-4D97-AF65-F5344CB8AC3E}">
+        <p14:creationId xmlns:p14="http://schemas.microsoft.com/office/powerpoint/2010/main" val="2923120388"/>
+      </p:ext>
+    </p:extLst>
+  </p:cSld>
+  <p:clrMapOvr>
+    <a:masterClrMapping/>
+  </p:clrMapOvr>
+</p:sld>
+</file>
+
+<file path=ppt/slides/slide16.xml><?xml version="1.0" encoding="utf-8"?>
+<p:sld xmlns:a="http://schemas.openxmlformats.org/drawingml/2006/main" xmlns:r="http://schemas.openxmlformats.org/officeDocument/2006/relationships" xmlns:p="http://schemas.openxmlformats.org/presentationml/2006/main">
+  <p:cSld>
+    <p:spTree>
+      <p:nvGrpSpPr>
+        <p:cNvPr id="1" name=""/>
+        <p:cNvGrpSpPr/>
+        <p:nvPr/>
+      </p:nvGrpSpPr>
+      <p:grpSpPr>
+        <a:xfrm>
+          <a:off x="0" y="0"/>
+          <a:ext cx="0" cy="0"/>
+          <a:chOff x="0" y="0"/>
+          <a:chExt cx="0" cy="0"/>
+        </a:xfrm>
+      </p:grpSpPr>
+      <p:sp>
+        <p:nvSpPr>
+          <p:cNvPr id="2" name="Title 1"/>
+          <p:cNvSpPr>
+            <a:spLocks noGrp="1"/>
+          </p:cNvSpPr>
+          <p:nvPr>
+            <p:ph type="title"/>
+          </p:nvPr>
+        </p:nvSpPr>
+        <p:spPr/>
+        <p:txBody>
+          <a:bodyPr/>
+          <a:lstStyle/>
+          <a:p>
+            <a:r>
+              <a:rPr lang="en-US" dirty="0" smtClean="0"/>
+              <a:t>Results: Min Partition</a:t>
+            </a:r>
+            <a:endParaRPr lang="en-US" dirty="0"/>
+          </a:p>
+        </p:txBody>
+      </p:sp>
+      <p:pic>
+        <p:nvPicPr>
+          <p:cNvPr id="2050" name="Picture 2" descr="C:\Users\mmart24\Documents\GitHub\GraphEvo\documents\minMGraph-small.png"/>
+          <p:cNvPicPr>
+            <a:picLocks noChangeAspect="1" noChangeArrowheads="1"/>
+          </p:cNvPicPr>
+          <p:nvPr/>
+        </p:nvPicPr>
+        <p:blipFill>
+          <a:blip r:embed="rId2">
+            <a:extLst>
+              <a:ext uri="{28A0092B-C50C-407E-A947-70E740481C1C}">
+                <a14:useLocalDpi xmlns:a14="http://schemas.microsoft.com/office/drawing/2010/main" val="0"/>
+              </a:ext>
+            </a:extLst>
+          </a:blip>
+          <a:srcRect/>
+          <a:stretch>
+            <a:fillRect/>
+          </a:stretch>
+        </p:blipFill>
+        <p:spPr bwMode="auto">
+          <a:xfrm>
+            <a:off x="4585428" y="1219200"/>
+            <a:ext cx="3796571" cy="5233670"/>
+          </a:xfrm>
+          <a:prstGeom prst="rect">
+            <a:avLst/>
+          </a:prstGeom>
+          <a:noFill/>
+          <a:extLst>
+            <a:ext uri="{909E8E84-426E-40DD-AFC4-6F175D3DCCD1}">
+              <a14:hiddenFill xmlns:a14="http://schemas.microsoft.com/office/drawing/2010/main">
+                <a:solidFill>
+                  <a:srgbClr val="FFFFFF"/>
+                </a:solidFill>
+              </a14:hiddenFill>
+            </a:ext>
+          </a:extLst>
+        </p:spPr>
+      </p:pic>
+      <p:pic>
+        <p:nvPicPr>
+          <p:cNvPr id="2051" name="Picture 3" descr="C:\Users\mmart24\Documents\GitHub\GraphEvo\documents\minM.png"/>
+          <p:cNvPicPr>
+            <a:picLocks noChangeAspect="1" noChangeArrowheads="1"/>
+          </p:cNvPicPr>
+          <p:nvPr/>
+        </p:nvPicPr>
+        <p:blipFill>
+          <a:blip r:embed="rId3" cstate="print">
+            <a:extLst>
+              <a:ext uri="{28A0092B-C50C-407E-A947-70E740481C1C}">
+                <a14:useLocalDpi xmlns:a14="http://schemas.microsoft.com/office/drawing/2010/main" val="0"/>
+              </a:ext>
+            </a:extLst>
+          </a:blip>
+          <a:srcRect/>
+          <a:stretch>
+            <a:fillRect/>
+          </a:stretch>
+        </p:blipFill>
+        <p:spPr bwMode="auto">
+          <a:xfrm>
+            <a:off x="1143000" y="1270407"/>
+            <a:ext cx="2014743" cy="5131255"/>
+          </a:xfrm>
+          <a:prstGeom prst="rect">
+            <a:avLst/>
+          </a:prstGeom>
+          <a:noFill/>
+          <a:extLst>
+            <a:ext uri="{909E8E84-426E-40DD-AFC4-6F175D3DCCD1}">
+              <a14:hiddenFill xmlns:a14="http://schemas.microsoft.com/office/drawing/2010/main">
+                <a:solidFill>
+                  <a:srgbClr val="FFFFFF"/>
+                </a:solidFill>
+              </a14:hiddenFill>
+            </a:ext>
+          </a:extLst>
+        </p:spPr>
+      </p:pic>
+    </p:spTree>
+    <p:extLst>
+      <p:ext uri="{BB962C8B-B14F-4D97-AF65-F5344CB8AC3E}">
+        <p14:creationId xmlns:p14="http://schemas.microsoft.com/office/powerpoint/2010/main" val="998370608"/>
+      </p:ext>
+    </p:extLst>
+  </p:cSld>
+  <p:clrMapOvr>
+    <a:masterClrMapping/>
+  </p:clrMapOvr>
+</p:sld>
+</file>
+
+<file path=ppt/slides/slide17.xml><?xml version="1.0" encoding="utf-8"?>
+<p:sld xmlns:a="http://schemas.openxmlformats.org/drawingml/2006/main" xmlns:r="http://schemas.openxmlformats.org/officeDocument/2006/relationships" xmlns:p="http://schemas.openxmlformats.org/presentationml/2006/main">
+  <p:cSld>
+    <p:spTree>
+      <p:nvGrpSpPr>
+        <p:cNvPr id="1" name=""/>
+        <p:cNvGrpSpPr/>
+        <p:nvPr/>
+      </p:nvGrpSpPr>
+      <p:grpSpPr>
+        <a:xfrm>
+          <a:off x="0" y="0"/>
+          <a:ext cx="0" cy="0"/>
+          <a:chOff x="0" y="0"/>
+          <a:chExt cx="0" cy="0"/>
+        </a:xfrm>
+      </p:grpSpPr>
+      <p:sp>
+        <p:nvSpPr>
+          <p:cNvPr id="2" name="Title 1"/>
+          <p:cNvSpPr>
+            <a:spLocks noGrp="1"/>
+          </p:cNvSpPr>
+          <p:nvPr>
+            <p:ph type="title"/>
+          </p:nvPr>
+        </p:nvSpPr>
+        <p:spPr/>
+        <p:txBody>
+          <a:bodyPr/>
+          <a:lstStyle/>
+          <a:p>
+            <a:r>
+              <a:rPr lang="en-US" dirty="0" smtClean="0"/>
+              <a:t>Results: Min Partition</a:t>
+            </a:r>
+            <a:endParaRPr lang="en-US" dirty="0"/>
+          </a:p>
+        </p:txBody>
+      </p:sp>
+      <p:pic>
+        <p:nvPicPr>
+          <p:cNvPr id="4100" name="Picture 4" descr="C:\Users\mmart24\Documents\GitHub\GraphEvo\minM2analysis.png"/>
+          <p:cNvPicPr>
+            <a:picLocks noGrp="1" noChangeAspect="1" noChangeArrowheads="1"/>
+          </p:cNvPicPr>
+          <p:nvPr>
+            <p:ph idx="1"/>
+          </p:nvPr>
+        </p:nvPicPr>
+        <p:blipFill>
+          <a:blip r:embed="rId2">
+            <a:extLst>
+              <a:ext uri="{28A0092B-C50C-407E-A947-70E740481C1C}">
+                <a14:useLocalDpi xmlns:a14="http://schemas.microsoft.com/office/drawing/2010/main" val="0"/>
+              </a:ext>
+            </a:extLst>
+          </a:blip>
+          <a:srcRect/>
+          <a:stretch>
+            <a:fillRect/>
+          </a:stretch>
+        </p:blipFill>
+        <p:spPr bwMode="auto">
+          <a:xfrm>
+            <a:off x="1219200" y="1219200"/>
+            <a:ext cx="6807200" cy="5105400"/>
+          </a:xfrm>
+          <a:prstGeom prst="rect">
+            <a:avLst/>
+          </a:prstGeom>
+          <a:noFill/>
+          <a:extLst>
+            <a:ext uri="{909E8E84-426E-40DD-AFC4-6F175D3DCCD1}">
+              <a14:hiddenFill xmlns:a14="http://schemas.microsoft.com/office/drawing/2010/main">
+                <a:solidFill>
+                  <a:srgbClr val="FFFFFF"/>
+                </a:solidFill>
+              </a14:hiddenFill>
+            </a:ext>
+          </a:extLst>
+        </p:spPr>
+      </p:pic>
+    </p:spTree>
+    <p:extLst>
+      <p:ext uri="{BB962C8B-B14F-4D97-AF65-F5344CB8AC3E}">
+        <p14:creationId xmlns:p14="http://schemas.microsoft.com/office/powerpoint/2010/main" val="1229782104"/>
+      </p:ext>
+    </p:extLst>
+  </p:cSld>
+  <p:clrMapOvr>
+    <a:masterClrMapping/>
+  </p:clrMapOvr>
+</p:sld>
+</file>
+
+<file path=ppt/slides/slide18.xml><?xml version="1.0" encoding="utf-8"?>
+<p:sld xmlns:a="http://schemas.openxmlformats.org/drawingml/2006/main" xmlns:r="http://schemas.openxmlformats.org/officeDocument/2006/relationships" xmlns:p="http://schemas.openxmlformats.org/presentationml/2006/main">
+  <p:cSld>
+    <p:spTree>
+      <p:nvGrpSpPr>
+        <p:cNvPr id="1" name=""/>
+        <p:cNvGrpSpPr/>
+        <p:nvPr/>
+      </p:nvGrpSpPr>
+      <p:grpSpPr>
+        <a:xfrm>
+          <a:off x="0" y="0"/>
+          <a:ext cx="0" cy="0"/>
+          <a:chOff x="0" y="0"/>
+          <a:chExt cx="0" cy="0"/>
+        </a:xfrm>
+      </p:grpSpPr>
+      <p:sp>
+        <p:nvSpPr>
+          <p:cNvPr id="2" name="Title 1"/>
+          <p:cNvSpPr>
+            <a:spLocks noGrp="1"/>
+          </p:cNvSpPr>
+          <p:nvPr>
+            <p:ph type="title"/>
+          </p:nvPr>
+        </p:nvSpPr>
+        <p:spPr/>
+        <p:txBody>
+          <a:bodyPr/>
+          <a:lstStyle/>
+          <a:p>
+            <a:r>
+              <a:rPr lang="en-US" dirty="0" smtClean="0"/>
+              <a:t>Results: Max Eccentricity</a:t>
+            </a:r>
+            <a:endParaRPr lang="en-US" dirty="0"/>
+          </a:p>
+        </p:txBody>
+      </p:sp>
+      <p:pic>
+        <p:nvPicPr>
+          <p:cNvPr id="5123" name="Picture 3" descr="C:\Users\mmart24\Documents\GitHub\GraphEvo\maxE2analysis.png"/>
+          <p:cNvPicPr>
+            <a:picLocks noGrp="1" noChangeAspect="1" noChangeArrowheads="1"/>
+          </p:cNvPicPr>
+          <p:nvPr>
+            <p:ph idx="1"/>
+          </p:nvPr>
+        </p:nvPicPr>
+        <p:blipFill>
+          <a:blip r:embed="rId2">
+            <a:extLst>
+              <a:ext uri="{28A0092B-C50C-407E-A947-70E740481C1C}">
+                <a14:useLocalDpi xmlns:a14="http://schemas.microsoft.com/office/drawing/2010/main" val="0"/>
+              </a:ext>
+            </a:extLst>
+          </a:blip>
+          <a:srcRect/>
+          <a:stretch>
+            <a:fillRect/>
+          </a:stretch>
+        </p:blipFill>
+        <p:spPr bwMode="auto">
+          <a:xfrm>
+            <a:off x="3087612" y="1524000"/>
+            <a:ext cx="6034617" cy="4525963"/>
+          </a:xfrm>
+          <a:prstGeom prst="rect">
+            <a:avLst/>
+          </a:prstGeom>
+          <a:noFill/>
+          <a:extLst>
+            <a:ext uri="{909E8E84-426E-40DD-AFC4-6F175D3DCCD1}">
+              <a14:hiddenFill xmlns:a14="http://schemas.microsoft.com/office/drawing/2010/main">
+                <a:solidFill>
+                  <a:srgbClr val="FFFFFF"/>
+                </a:solidFill>
+              </a14:hiddenFill>
+            </a:ext>
+          </a:extLst>
+        </p:spPr>
+      </p:pic>
+      <p:pic>
+        <p:nvPicPr>
+          <p:cNvPr id="5124" name="Picture 4" descr="C:\Users\mmart24\Documents\GitHub\GraphEvo\documents\maxE.png"/>
+          <p:cNvPicPr>
+            <a:picLocks noChangeAspect="1" noChangeArrowheads="1"/>
+          </p:cNvPicPr>
+          <p:nvPr/>
+        </p:nvPicPr>
+        <p:blipFill>
+          <a:blip r:embed="rId3">
+            <a:extLst>
+              <a:ext uri="{28A0092B-C50C-407E-A947-70E740481C1C}">
+                <a14:useLocalDpi xmlns:a14="http://schemas.microsoft.com/office/drawing/2010/main" val="0"/>
+              </a:ext>
+            </a:extLst>
+          </a:blip>
+          <a:srcRect/>
+          <a:stretch>
+            <a:fillRect/>
+          </a:stretch>
+        </p:blipFill>
+        <p:spPr bwMode="auto">
+          <a:xfrm>
+            <a:off x="990599" y="2362200"/>
+            <a:ext cx="1781175" cy="2486025"/>
+          </a:xfrm>
+          <a:prstGeom prst="rect">
+            <a:avLst/>
+          </a:prstGeom>
+          <a:noFill/>
+          <a:extLst>
+            <a:ext uri="{909E8E84-426E-40DD-AFC4-6F175D3DCCD1}">
+              <a14:hiddenFill xmlns:a14="http://schemas.microsoft.com/office/drawing/2010/main">
+                <a:solidFill>
+                  <a:srgbClr val="FFFFFF"/>
+                </a:solidFill>
+              </a14:hiddenFill>
+            </a:ext>
+          </a:extLst>
+        </p:spPr>
+      </p:pic>
+      <p:sp>
+        <p:nvSpPr>
+          <p:cNvPr id="8" name="TextBox 7"/>
+          <p:cNvSpPr txBox="1"/>
+          <p:nvPr/>
+        </p:nvSpPr>
+        <p:spPr>
+          <a:xfrm>
+            <a:off x="762000" y="5334000"/>
+            <a:ext cx="2286000" cy="584775"/>
+          </a:xfrm>
+          <a:prstGeom prst="rect">
+            <a:avLst/>
+          </a:prstGeom>
+          <a:noFill/>
+        </p:spPr>
+        <p:txBody>
+          <a:bodyPr wrap="square" rtlCol="0">
+            <a:spAutoFit/>
+          </a:bodyPr>
+          <a:lstStyle/>
+          <a:p>
+            <a:r>
+              <a:rPr lang="en-US" sz="3200" dirty="0" smtClean="0"/>
+              <a:t>Path Graph</a:t>
+            </a:r>
+            <a:endParaRPr lang="en-US" sz="3200" dirty="0"/>
+          </a:p>
+        </p:txBody>
+      </p:sp>
+    </p:spTree>
+    <p:extLst>
+      <p:ext uri="{BB962C8B-B14F-4D97-AF65-F5344CB8AC3E}">
+        <p14:creationId xmlns:p14="http://schemas.microsoft.com/office/powerpoint/2010/main" val="998370608"/>
+      </p:ext>
+    </p:extLst>
+  </p:cSld>
+  <p:clrMapOvr>
+    <a:masterClrMapping/>
+  </p:clrMapOvr>
+</p:sld>
+</file>
+
+<file path=ppt/slides/slide19.xml><?xml version="1.0" encoding="utf-8"?>
+<p:sld xmlns:a="http://schemas.openxmlformats.org/drawingml/2006/main" xmlns:r="http://schemas.openxmlformats.org/officeDocument/2006/relationships" xmlns:p="http://schemas.openxmlformats.org/presentationml/2006/main">
+  <p:cSld>
+    <p:spTree>
+      <p:nvGrpSpPr>
+        <p:cNvPr id="1" name=""/>
+        <p:cNvGrpSpPr/>
+        <p:nvPr/>
+      </p:nvGrpSpPr>
+      <p:grpSpPr>
+        <a:xfrm>
+          <a:off x="0" y="0"/>
+          <a:ext cx="0" cy="0"/>
+          <a:chOff x="0" y="0"/>
+          <a:chExt cx="0" cy="0"/>
+        </a:xfrm>
+      </p:grpSpPr>
+      <p:sp>
+        <p:nvSpPr>
+          <p:cNvPr id="2" name="Title 1"/>
+          <p:cNvSpPr>
+            <a:spLocks noGrp="1"/>
+          </p:cNvSpPr>
+          <p:nvPr>
+            <p:ph type="title"/>
+          </p:nvPr>
+        </p:nvSpPr>
+        <p:spPr/>
+        <p:txBody>
+          <a:bodyPr/>
+          <a:lstStyle/>
+          <a:p>
+            <a:r>
+              <a:rPr lang="en-US" dirty="0" smtClean="0"/>
+              <a:t>Results: Min Eccentricity</a:t>
+            </a:r>
+            <a:endParaRPr lang="en-US" dirty="0"/>
+          </a:p>
+        </p:txBody>
+      </p:sp>
+      <p:pic>
+        <p:nvPicPr>
+          <p:cNvPr id="6146" name="Picture 2" descr="C:\Users\mmart24\Documents\GitHub\GraphEvo\documents\minE.png"/>
+          <p:cNvPicPr>
+            <a:picLocks noGrp="1" noChangeAspect="1" noChangeArrowheads="1"/>
+          </p:cNvPicPr>
+          <p:nvPr>
+            <p:ph idx="1"/>
+          </p:nvPr>
+        </p:nvPicPr>
+        <p:blipFill>
+          <a:blip r:embed="rId2">
+            <a:extLst>
+              <a:ext uri="{28A0092B-C50C-407E-A947-70E740481C1C}">
+                <a14:useLocalDpi xmlns:a14="http://schemas.microsoft.com/office/drawing/2010/main" val="0"/>
+              </a:ext>
+            </a:extLst>
+          </a:blip>
+          <a:srcRect/>
+          <a:stretch>
+            <a:fillRect/>
+          </a:stretch>
+        </p:blipFill>
+        <p:spPr bwMode="auto">
+          <a:xfrm>
+            <a:off x="1066800" y="2514600"/>
+            <a:ext cx="1781175" cy="2486025"/>
+          </a:xfrm>
+          <a:prstGeom prst="rect">
+            <a:avLst/>
+          </a:prstGeom>
+          <a:noFill/>
+          <a:extLst>
+            <a:ext uri="{909E8E84-426E-40DD-AFC4-6F175D3DCCD1}">
+              <a14:hiddenFill xmlns:a14="http://schemas.microsoft.com/office/drawing/2010/main">
+                <a:solidFill>
+                  <a:srgbClr val="FFFFFF"/>
+                </a:solidFill>
+              </a14:hiddenFill>
+            </a:ext>
+          </a:extLst>
+        </p:spPr>
+      </p:pic>
+      <p:pic>
+        <p:nvPicPr>
+          <p:cNvPr id="5" name="Picture 4" descr="C:\Users\mmart24\Documents\GitHub\GraphEvo\documents\starGraph.png"/>
+          <p:cNvPicPr>
+            <a:picLocks noChangeAspect="1" noChangeArrowheads="1"/>
+          </p:cNvPicPr>
+          <p:nvPr/>
+        </p:nvPicPr>
+        <p:blipFill>
+          <a:blip r:embed="rId3" cstate="print">
+            <a:extLst>
+              <a:ext uri="{28A0092B-C50C-407E-A947-70E740481C1C}">
+                <a14:useLocalDpi xmlns:a14="http://schemas.microsoft.com/office/drawing/2010/main" val="0"/>
+              </a:ext>
+            </a:extLst>
+          </a:blip>
+          <a:srcRect/>
+          <a:stretch>
+            <a:fillRect/>
+          </a:stretch>
+        </p:blipFill>
+        <p:spPr bwMode="auto">
+          <a:xfrm>
+            <a:off x="3399263" y="1676400"/>
+            <a:ext cx="5100646" cy="4602480"/>
+          </a:xfrm>
+          <a:prstGeom prst="rect">
+            <a:avLst/>
+          </a:prstGeom>
+          <a:noFill/>
+          <a:extLst>
+            <a:ext uri="{909E8E84-426E-40DD-AFC4-6F175D3DCCD1}">
+              <a14:hiddenFill xmlns:a14="http://schemas.microsoft.com/office/drawing/2010/main">
+                <a:solidFill>
+                  <a:srgbClr val="FFFFFF"/>
+                </a:solidFill>
+              </a14:hiddenFill>
+            </a:ext>
+          </a:extLst>
+        </p:spPr>
+      </p:pic>
+      <p:sp>
+        <p:nvSpPr>
+          <p:cNvPr id="6" name="TextBox 5"/>
+          <p:cNvSpPr txBox="1"/>
+          <p:nvPr/>
+        </p:nvSpPr>
+        <p:spPr>
+          <a:xfrm>
+            <a:off x="762000" y="5334000"/>
+            <a:ext cx="2286000" cy="584775"/>
+          </a:xfrm>
+          <a:prstGeom prst="rect">
+            <a:avLst/>
+          </a:prstGeom>
+          <a:noFill/>
+        </p:spPr>
+        <p:txBody>
+          <a:bodyPr wrap="square" rtlCol="0">
+            <a:spAutoFit/>
+          </a:bodyPr>
+          <a:lstStyle/>
+          <a:p>
+            <a:r>
+              <a:rPr lang="en-US" sz="3200" dirty="0" smtClean="0"/>
+              <a:t>Star Graph</a:t>
+            </a:r>
+            <a:endParaRPr lang="en-US" sz="3200" dirty="0"/>
+          </a:p>
+        </p:txBody>
+      </p:sp>
+    </p:spTree>
+    <p:extLst>
+      <p:ext uri="{BB962C8B-B14F-4D97-AF65-F5344CB8AC3E}">
+        <p14:creationId xmlns:p14="http://schemas.microsoft.com/office/powerpoint/2010/main" val="998370608"/>
       </p:ext>
     </p:extLst>
   </p:cSld>
@@ -4377,6 +5461,413 @@
     <p:extLst>
       <p:ext uri="{BB962C8B-B14F-4D97-AF65-F5344CB8AC3E}">
         <p14:creationId xmlns:p14="http://schemas.microsoft.com/office/powerpoint/2010/main" val="3734157222"/>
+      </p:ext>
+    </p:extLst>
+  </p:cSld>
+  <p:clrMapOvr>
+    <a:masterClrMapping/>
+  </p:clrMapOvr>
+</p:sld>
+</file>
+
+<file path=ppt/slides/slide20.xml><?xml version="1.0" encoding="utf-8"?>
+<p:sld xmlns:a="http://schemas.openxmlformats.org/drawingml/2006/main" xmlns:r="http://schemas.openxmlformats.org/officeDocument/2006/relationships" xmlns:p="http://schemas.openxmlformats.org/presentationml/2006/main">
+  <p:cSld>
+    <p:spTree>
+      <p:nvGrpSpPr>
+        <p:cNvPr id="1" name=""/>
+        <p:cNvGrpSpPr/>
+        <p:nvPr/>
+      </p:nvGrpSpPr>
+      <p:grpSpPr>
+        <a:xfrm>
+          <a:off x="0" y="0"/>
+          <a:ext cx="0" cy="0"/>
+          <a:chOff x="0" y="0"/>
+          <a:chExt cx="0" cy="0"/>
+        </a:xfrm>
+      </p:grpSpPr>
+      <p:sp>
+        <p:nvSpPr>
+          <p:cNvPr id="2" name="Title 1"/>
+          <p:cNvSpPr>
+            <a:spLocks noGrp="1"/>
+          </p:cNvSpPr>
+          <p:nvPr>
+            <p:ph type="title"/>
+          </p:nvPr>
+        </p:nvSpPr>
+        <p:spPr/>
+        <p:txBody>
+          <a:bodyPr/>
+          <a:lstStyle/>
+          <a:p>
+            <a:r>
+              <a:rPr lang="en-US" dirty="0" smtClean="0"/>
+              <a:t>Results: Min Eccentricity</a:t>
+            </a:r>
+            <a:endParaRPr lang="en-US" dirty="0"/>
+          </a:p>
+        </p:txBody>
+      </p:sp>
+      <p:pic>
+        <p:nvPicPr>
+          <p:cNvPr id="7170" name="Picture 2" descr="C:\Users\mmart24\Documents\GitHub\GraphEvo\minE2analysis.png"/>
+          <p:cNvPicPr>
+            <a:picLocks noGrp="1" noChangeAspect="1" noChangeArrowheads="1"/>
+          </p:cNvPicPr>
+          <p:nvPr>
+            <p:ph idx="1"/>
+          </p:nvPr>
+        </p:nvPicPr>
+        <p:blipFill>
+          <a:blip r:embed="rId2">
+            <a:extLst>
+              <a:ext uri="{28A0092B-C50C-407E-A947-70E740481C1C}">
+                <a14:useLocalDpi xmlns:a14="http://schemas.microsoft.com/office/drawing/2010/main" val="0"/>
+              </a:ext>
+            </a:extLst>
+          </a:blip>
+          <a:srcRect/>
+          <a:stretch>
+            <a:fillRect/>
+          </a:stretch>
+        </p:blipFill>
+        <p:spPr bwMode="auto">
+          <a:xfrm>
+            <a:off x="1143000" y="1295400"/>
+            <a:ext cx="6807200" cy="5105400"/>
+          </a:xfrm>
+          <a:prstGeom prst="rect">
+            <a:avLst/>
+          </a:prstGeom>
+          <a:noFill/>
+          <a:extLst>
+            <a:ext uri="{909E8E84-426E-40DD-AFC4-6F175D3DCCD1}">
+              <a14:hiddenFill xmlns:a14="http://schemas.microsoft.com/office/drawing/2010/main">
+                <a:solidFill>
+                  <a:srgbClr val="FFFFFF"/>
+                </a:solidFill>
+              </a14:hiddenFill>
+            </a:ext>
+          </a:extLst>
+        </p:spPr>
+      </p:pic>
+    </p:spTree>
+    <p:extLst>
+      <p:ext uri="{BB962C8B-B14F-4D97-AF65-F5344CB8AC3E}">
+        <p14:creationId xmlns:p14="http://schemas.microsoft.com/office/powerpoint/2010/main" val="1804507364"/>
+      </p:ext>
+    </p:extLst>
+  </p:cSld>
+  <p:clrMapOvr>
+    <a:masterClrMapping/>
+  </p:clrMapOvr>
+</p:sld>
+</file>
+
+<file path=ppt/slides/slide21.xml><?xml version="1.0" encoding="utf-8"?>
+<p:sld xmlns:a="http://schemas.openxmlformats.org/drawingml/2006/main" xmlns:r="http://schemas.openxmlformats.org/officeDocument/2006/relationships" xmlns:p="http://schemas.openxmlformats.org/presentationml/2006/main">
+  <p:cSld>
+    <p:spTree>
+      <p:nvGrpSpPr>
+        <p:cNvPr id="1" name=""/>
+        <p:cNvGrpSpPr/>
+        <p:nvPr/>
+      </p:nvGrpSpPr>
+      <p:grpSpPr>
+        <a:xfrm>
+          <a:off x="0" y="0"/>
+          <a:ext cx="0" cy="0"/>
+          <a:chOff x="0" y="0"/>
+          <a:chExt cx="0" cy="0"/>
+        </a:xfrm>
+      </p:grpSpPr>
+      <p:sp>
+        <p:nvSpPr>
+          <p:cNvPr id="2" name="Title 1"/>
+          <p:cNvSpPr>
+            <a:spLocks noGrp="1"/>
+          </p:cNvSpPr>
+          <p:nvPr>
+            <p:ph type="title"/>
+          </p:nvPr>
+        </p:nvSpPr>
+        <p:spPr/>
+        <p:txBody>
+          <a:bodyPr/>
+          <a:lstStyle/>
+          <a:p>
+            <a:r>
+              <a:rPr lang="en-US" dirty="0" smtClean="0"/>
+              <a:t>Drawbacks</a:t>
+            </a:r>
+            <a:endParaRPr lang="en-US" dirty="0"/>
+          </a:p>
+        </p:txBody>
+      </p:sp>
+      <p:pic>
+        <p:nvPicPr>
+          <p:cNvPr id="8194" name="Picture 2" descr="C:\Users\mmart24\Documents\GitHub\GraphEvo\minM4analysis.png"/>
+          <p:cNvPicPr>
+            <a:picLocks noGrp="1" noChangeAspect="1" noChangeArrowheads="1"/>
+          </p:cNvPicPr>
+          <p:nvPr>
+            <p:ph idx="1"/>
+          </p:nvPr>
+        </p:nvPicPr>
+        <p:blipFill>
+          <a:blip r:embed="rId2">
+            <a:extLst>
+              <a:ext uri="{28A0092B-C50C-407E-A947-70E740481C1C}">
+                <a14:useLocalDpi xmlns:a14="http://schemas.microsoft.com/office/drawing/2010/main" val="0"/>
+              </a:ext>
+            </a:extLst>
+          </a:blip>
+          <a:srcRect/>
+          <a:stretch>
+            <a:fillRect/>
+          </a:stretch>
+        </p:blipFill>
+        <p:spPr bwMode="auto">
+          <a:xfrm>
+            <a:off x="1371600" y="1066800"/>
+            <a:ext cx="6400800" cy="4800600"/>
+          </a:xfrm>
+          <a:prstGeom prst="rect">
+            <a:avLst/>
+          </a:prstGeom>
+          <a:noFill/>
+          <a:extLst>
+            <a:ext uri="{909E8E84-426E-40DD-AFC4-6F175D3DCCD1}">
+              <a14:hiddenFill xmlns:a14="http://schemas.microsoft.com/office/drawing/2010/main">
+                <a:solidFill>
+                  <a:srgbClr val="FFFFFF"/>
+                </a:solidFill>
+              </a14:hiddenFill>
+            </a:ext>
+          </a:extLst>
+        </p:spPr>
+      </p:pic>
+      <p:sp>
+        <p:nvSpPr>
+          <p:cNvPr id="5" name="TextBox 4"/>
+          <p:cNvSpPr txBox="1"/>
+          <p:nvPr/>
+        </p:nvSpPr>
+        <p:spPr>
+          <a:xfrm>
+            <a:off x="2133600" y="5791200"/>
+            <a:ext cx="4953000" cy="707886"/>
+          </a:xfrm>
+          <a:prstGeom prst="rect">
+            <a:avLst/>
+          </a:prstGeom>
+          <a:noFill/>
+        </p:spPr>
+        <p:txBody>
+          <a:bodyPr wrap="square" rtlCol="0">
+            <a:spAutoFit/>
+          </a:bodyPr>
+          <a:lstStyle/>
+          <a:p>
+            <a:pPr algn="ctr"/>
+            <a:r>
+              <a:rPr lang="en-US" sz="4000" dirty="0" smtClean="0">
+                <a:solidFill>
+                  <a:srgbClr val="FF0000"/>
+                </a:solidFill>
+              </a:rPr>
+              <a:t>Over-fitting</a:t>
+            </a:r>
+            <a:endParaRPr lang="en-US" sz="4000" dirty="0">
+              <a:solidFill>
+                <a:srgbClr val="FF0000"/>
+              </a:solidFill>
+            </a:endParaRPr>
+          </a:p>
+        </p:txBody>
+      </p:sp>
+    </p:spTree>
+    <p:extLst>
+      <p:ext uri="{BB962C8B-B14F-4D97-AF65-F5344CB8AC3E}">
+        <p14:creationId xmlns:p14="http://schemas.microsoft.com/office/powerpoint/2010/main" val="1449587522"/>
+      </p:ext>
+    </p:extLst>
+  </p:cSld>
+  <p:clrMapOvr>
+    <a:masterClrMapping/>
+  </p:clrMapOvr>
+</p:sld>
+</file>
+
+<file path=ppt/slides/slide22.xml><?xml version="1.0" encoding="utf-8"?>
+<p:sld xmlns:a="http://schemas.openxmlformats.org/drawingml/2006/main" xmlns:r="http://schemas.openxmlformats.org/officeDocument/2006/relationships" xmlns:p="http://schemas.openxmlformats.org/presentationml/2006/main">
+  <p:cSld>
+    <p:spTree>
+      <p:nvGrpSpPr>
+        <p:cNvPr id="1" name=""/>
+        <p:cNvGrpSpPr/>
+        <p:nvPr/>
+      </p:nvGrpSpPr>
+      <p:grpSpPr>
+        <a:xfrm>
+          <a:off x="0" y="0"/>
+          <a:ext cx="0" cy="0"/>
+          <a:chOff x="0" y="0"/>
+          <a:chExt cx="0" cy="0"/>
+        </a:xfrm>
+      </p:grpSpPr>
+      <p:sp>
+        <p:nvSpPr>
+          <p:cNvPr id="2" name="Title 1"/>
+          <p:cNvSpPr>
+            <a:spLocks noGrp="1"/>
+          </p:cNvSpPr>
+          <p:nvPr>
+            <p:ph type="title"/>
+          </p:nvPr>
+        </p:nvSpPr>
+        <p:spPr/>
+        <p:txBody>
+          <a:bodyPr>
+            <a:normAutofit/>
+          </a:bodyPr>
+          <a:lstStyle/>
+          <a:p>
+            <a:r>
+              <a:rPr lang="en-US" dirty="0" smtClean="0"/>
+              <a:t>Future Work</a:t>
+            </a:r>
+            <a:endParaRPr lang="en-US" dirty="0"/>
+          </a:p>
+        </p:txBody>
+      </p:sp>
+      <p:sp>
+        <p:nvSpPr>
+          <p:cNvPr id="3" name="Content Placeholder 2"/>
+          <p:cNvSpPr>
+            <a:spLocks noGrp="1"/>
+          </p:cNvSpPr>
+          <p:nvPr>
+            <p:ph idx="1"/>
+          </p:nvPr>
+        </p:nvSpPr>
+        <p:spPr/>
+        <p:txBody>
+          <a:bodyPr/>
+          <a:lstStyle/>
+          <a:p>
+            <a:r>
+              <a:rPr lang="en-US" dirty="0" smtClean="0"/>
+              <a:t>Add capability to evolve Random Directed Graph Generating Algorithms</a:t>
+            </a:r>
+          </a:p>
+          <a:p>
+            <a:r>
+              <a:rPr lang="en-US" dirty="0" smtClean="0"/>
+              <a:t>Use to create graphs that emulate program control flow graphs</a:t>
+            </a:r>
+          </a:p>
+          <a:p>
+            <a:endParaRPr lang="en-US" dirty="0" smtClean="0"/>
+          </a:p>
+        </p:txBody>
+      </p:sp>
+    </p:spTree>
+    <p:extLst>
+      <p:ext uri="{BB962C8B-B14F-4D97-AF65-F5344CB8AC3E}">
+        <p14:creationId xmlns:p14="http://schemas.microsoft.com/office/powerpoint/2010/main" val="806431728"/>
+      </p:ext>
+    </p:extLst>
+  </p:cSld>
+  <p:clrMapOvr>
+    <a:masterClrMapping/>
+  </p:clrMapOvr>
+</p:sld>
+</file>
+
+<file path=ppt/slides/slide23.xml><?xml version="1.0" encoding="utf-8"?>
+<p:sld xmlns:a="http://schemas.openxmlformats.org/drawingml/2006/main" xmlns:r="http://schemas.openxmlformats.org/officeDocument/2006/relationships" xmlns:p="http://schemas.openxmlformats.org/presentationml/2006/main">
+  <p:cSld>
+    <p:spTree>
+      <p:nvGrpSpPr>
+        <p:cNvPr id="1" name=""/>
+        <p:cNvGrpSpPr/>
+        <p:nvPr/>
+      </p:nvGrpSpPr>
+      <p:grpSpPr>
+        <a:xfrm>
+          <a:off x="0" y="0"/>
+          <a:ext cx="0" cy="0"/>
+          <a:chOff x="0" y="0"/>
+          <a:chExt cx="0" cy="0"/>
+        </a:xfrm>
+      </p:grpSpPr>
+      <p:sp>
+        <p:nvSpPr>
+          <p:cNvPr id="2" name="Title 1"/>
+          <p:cNvSpPr>
+            <a:spLocks noGrp="1"/>
+          </p:cNvSpPr>
+          <p:nvPr>
+            <p:ph type="title"/>
+          </p:nvPr>
+        </p:nvSpPr>
+        <p:spPr/>
+        <p:txBody>
+          <a:bodyPr/>
+          <a:lstStyle/>
+          <a:p>
+            <a:r>
+              <a:rPr lang="en-US" dirty="0" smtClean="0"/>
+              <a:t>Conclusion</a:t>
+            </a:r>
+            <a:endParaRPr lang="en-US" dirty="0"/>
+          </a:p>
+        </p:txBody>
+      </p:sp>
+      <p:sp>
+        <p:nvSpPr>
+          <p:cNvPr id="3" name="Content Placeholder 2"/>
+          <p:cNvSpPr>
+            <a:spLocks noGrp="1"/>
+          </p:cNvSpPr>
+          <p:nvPr>
+            <p:ph idx="1"/>
+          </p:nvPr>
+        </p:nvSpPr>
+        <p:spPr/>
+        <p:txBody>
+          <a:bodyPr/>
+          <a:lstStyle/>
+          <a:p>
+            <a:r>
+              <a:rPr lang="en-US" dirty="0" smtClean="0"/>
+              <a:t>Using GP we can create custom Random Graph Generation Algorithms</a:t>
+            </a:r>
+          </a:p>
+          <a:p>
+            <a:r>
+              <a:rPr lang="en-US" dirty="0" smtClean="0"/>
+              <a:t>Proof of Concept</a:t>
+            </a:r>
+          </a:p>
+          <a:p>
+            <a:r>
+              <a:rPr lang="en-US" dirty="0" smtClean="0"/>
+              <a:t>Improvement need on evaluation during evolution</a:t>
+            </a:r>
+          </a:p>
+          <a:p>
+            <a:endParaRPr lang="en-US" dirty="0"/>
+          </a:p>
+        </p:txBody>
+      </p:sp>
+    </p:spTree>
+    <p:extLst>
+      <p:ext uri="{BB962C8B-B14F-4D97-AF65-F5344CB8AC3E}">
+        <p14:creationId xmlns:p14="http://schemas.microsoft.com/office/powerpoint/2010/main" val="2692806083"/>
       </p:ext>
     </p:extLst>
   </p:cSld>
